--- a/Lab_Study_Kaggle.pptx
+++ b/Lab_Study_Kaggle.pptx
@@ -209,7 +209,7 @@
           <a:p>
             <a:fld id="{93EB7C7F-CD06-410B-A379-2C3FAD57313D}" type="datetimeFigureOut">
               <a:rPr kumimoji="1" lang="ja-JP" altLang="en-US" smtClean="0"/>
-              <a:t>2019/12/11</a:t>
+              <a:t>2019/12/12</a:t>
             </a:fld>
             <a:endParaRPr kumimoji="1" lang="ja-JP" altLang="en-US"/>
           </a:p>
@@ -982,7 +982,7 @@
           <a:p>
             <a:fld id="{C7713209-E305-964A-8414-4B33009272B1}" type="datetime1">
               <a:rPr kumimoji="1" lang="ja-JP" altLang="en-US" smtClean="0"/>
-              <a:t>2019/12/11</a:t>
+              <a:t>2019/12/12</a:t>
             </a:fld>
             <a:endParaRPr kumimoji="1" lang="ja-JP" altLang="en-US"/>
           </a:p>
@@ -1335,7 +1335,7 @@
           <a:p>
             <a:fld id="{DEE15824-AEA4-9E4B-9A99-BDEB73DDFA19}" type="datetime1">
               <a:rPr kumimoji="1" lang="ja-JP" altLang="en-US" smtClean="0"/>
-              <a:t>2019/12/11</a:t>
+              <a:t>2019/12/12</a:t>
             </a:fld>
             <a:endParaRPr kumimoji="1" lang="ja-JP" altLang="en-US"/>
           </a:p>
@@ -1622,7 +1622,7 @@
           <a:p>
             <a:fld id="{F75B57C3-A057-1E45-BBF1-80A5A519C36A}" type="datetime1">
               <a:rPr kumimoji="1" lang="ja-JP" altLang="en-US" smtClean="0"/>
-              <a:t>2019/12/11</a:t>
+              <a:t>2019/12/12</a:t>
             </a:fld>
             <a:endParaRPr kumimoji="1" lang="ja-JP" altLang="en-US"/>
           </a:p>
@@ -1802,7 +1802,7 @@
           <a:p>
             <a:fld id="{0A5D0722-096E-D94B-8E00-77CE6446F974}" type="datetime1">
               <a:rPr kumimoji="1" lang="ja-JP" altLang="en-US" smtClean="0"/>
-              <a:t>2019/12/11</a:t>
+              <a:t>2019/12/12</a:t>
             </a:fld>
             <a:endParaRPr kumimoji="1" lang="ja-JP" altLang="en-US"/>
           </a:p>
@@ -2085,7 +2085,7 @@
           <a:p>
             <a:fld id="{3542CF72-B612-624C-98FA-CB8D0BBB315E}" type="datetime1">
               <a:rPr kumimoji="1" lang="ja-JP" altLang="en-US" smtClean="0"/>
-              <a:t>2019/12/11</a:t>
+              <a:t>2019/12/12</a:t>
             </a:fld>
             <a:endParaRPr kumimoji="1" lang="ja-JP" altLang="en-US"/>
           </a:p>
@@ -4521,8 +4521,8 @@
           </a:p>
           <a:p>
             <a:r>
-              <a:rPr lang="en-US" altLang="ja-JP" dirty="0"/>
-              <a:t>100</a:t>
+              <a:rPr lang="en-US" altLang="ja-JP"/>
+              <a:t>50</a:t>
             </a:r>
             <a:r>
               <a:rPr lang="ja-JP" altLang="en-US"/>
